--- a/Презентация/защита 08.06.21.pptx
+++ b/Презентация/защита 08.06.21.pptx
@@ -11412,8 +11412,8 @@
             </p:nvSpPr>
             <p:spPr>
               <a:xfrm>
-                <a:off x="9520915" y="1515628"/>
-                <a:ext cx="1048838" cy="610103"/>
+                <a:off x="8749326" y="1515628"/>
+                <a:ext cx="2710472" cy="702821"/>
               </a:xfrm>
               <a:prstGeom prst="rect">
                 <a:avLst/>
@@ -11424,91 +11424,139 @@
               <a:bodyPr wrap="square">
                 <a:spAutoFit/>
               </a:bodyPr>
-              <a:lstStyle/>
+              <a:lstStyle>
+                <a:defPPr>
+                  <a:defRPr lang="ru-RU"/>
+                </a:defPPr>
+                <a:lvl1pPr>
+                  <a:defRPr i="1">
+                    <a:effectLst/>
+                    <a:latin typeface="Cambria Math" panose="02040503050406030204" pitchFamily="18" charset="0"/>
+                    <a:cs typeface="Times New Roman" panose="02020603050405020304" pitchFamily="18" charset="0"/>
+                  </a:defRPr>
+                </a:lvl1pPr>
+              </a:lstStyle>
               <a:p>
                 <a:pPr algn="just"/>
                 <a14:m>
                   <m:oMathPara xmlns:m="http://schemas.openxmlformats.org/officeDocument/2006/math">
                     <m:oMathParaPr>
-                      <m:jc m:val="left"/>
+                      <m:jc m:val="center"/>
                     </m:oMathParaPr>
                     <m:oMath xmlns:m="http://schemas.openxmlformats.org/officeDocument/2006/math">
                       <m:acc>
                         <m:accPr>
                           <m:chr m:val="̃"/>
                           <m:ctrlPr>
-                            <a:rPr lang="ru-RU" i="1" smtClean="0">
-                              <a:effectLst/>
-                              <a:latin typeface="Cambria Math" panose="02040503050406030204" pitchFamily="18" charset="0"/>
-                              <a:cs typeface="Times New Roman" panose="02020603050405020304" pitchFamily="18" charset="0"/>
-                            </a:rPr>
+                            <a:rPr lang="ru-RU"/>
                           </m:ctrlPr>
                         </m:accPr>
                         <m:e>
                           <m:r>
-                            <a:rPr lang="ru-RU" i="1">
-                              <a:latin typeface="Cambria Math" panose="02040503050406030204" pitchFamily="18" charset="0"/>
-                              <a:ea typeface="Calibri" panose="020F0502020204030204" pitchFamily="34" charset="0"/>
-                              <a:cs typeface="Times New Roman" panose="02020603050405020304" pitchFamily="18" charset="0"/>
-                            </a:rPr>
+                            <a:rPr lang="ru-RU"/>
                             <m:t>𝜎</m:t>
                           </m:r>
                         </m:e>
                       </m:acc>
                       <m:r>
-                        <a:rPr lang="ru-RU">
-                          <a:effectLst/>
-                          <a:latin typeface="Cambria Math" panose="02040503050406030204" pitchFamily="18" charset="0"/>
-                          <a:ea typeface="Calibri" panose="020F0502020204030204" pitchFamily="34" charset="0"/>
-                          <a:cs typeface="Times New Roman" panose="02020603050405020304" pitchFamily="18" charset="0"/>
-                        </a:rPr>
+                        <a:rPr lang="ru-RU"/>
                         <m:t>=</m:t>
                       </m:r>
                       <m:f>
                         <m:fPr>
                           <m:ctrlPr>
-                            <a:rPr lang="ru-RU" i="1" smtClean="0">
-                              <a:latin typeface="Cambria Math" panose="02040503050406030204" pitchFamily="18" charset="0"/>
-                              <a:cs typeface="Times New Roman" panose="02020603050405020304" pitchFamily="18" charset="0"/>
-                            </a:rPr>
+                            <a:rPr lang="ru-RU"/>
                           </m:ctrlPr>
                         </m:fPr>
                         <m:num>
                           <m:r>
-                            <a:rPr lang="ru-RU" i="1">
-                              <a:latin typeface="Cambria Math" panose="02040503050406030204" pitchFamily="18" charset="0"/>
-                              <a:ea typeface="Calibri" panose="020F0502020204030204" pitchFamily="34" charset="0"/>
-                              <a:cs typeface="Times New Roman" panose="02020603050405020304" pitchFamily="18" charset="0"/>
-                            </a:rPr>
-                            <m:t>𝜎</m:t>
+                            <a:rPr lang="en-US"/>
+                            <m:t>1</m:t>
                           </m:r>
+                        </m:num>
+                        <m:den>
+                          <m:r>
+                            <a:rPr lang="en-US"/>
+                            <m:t>𝑁</m:t>
+                          </m:r>
+                        </m:den>
+                      </m:f>
+                      <m:f>
+                        <m:fPr>
+                          <m:ctrlPr>
+                            <a:rPr lang="ru-RU"/>
+                          </m:ctrlPr>
+                        </m:fPr>
+                        <m:num>
+                          <m:nary>
+                            <m:naryPr>
+                              <m:chr m:val="∑"/>
+                              <m:ctrlPr>
+                                <a:rPr lang="ru-RU"/>
+                              </m:ctrlPr>
+                            </m:naryPr>
+                            <m:sub>
+                              <m:r>
+                                <m:rPr>
+                                  <m:brk m:alnAt="23"/>
+                                </m:rPr>
+                                <a:rPr lang="en-US"/>
+                                <m:t>𝑖</m:t>
+                              </m:r>
+                              <m:r>
+                                <a:rPr lang="en-US"/>
+                                <m:t>=0</m:t>
+                              </m:r>
+                            </m:sub>
+                            <m:sup>
+                              <m:r>
+                                <a:rPr lang="en-US"/>
+                                <m:t>𝑁</m:t>
+                              </m:r>
+                              <m:r>
+                                <a:rPr lang="en-US"/>
+                                <m:t>−1</m:t>
+                              </m:r>
+                            </m:sup>
+                            <m:e>
+                              <m:sSub>
+                                <m:sSubPr>
+                                  <m:ctrlPr>
+                                    <a:rPr lang="ru-RU"/>
+                                  </m:ctrlPr>
+                                </m:sSubPr>
+                                <m:e>
+                                  <m:r>
+                                    <a:rPr lang="ru-RU"/>
+                                    <m:t>𝜎</m:t>
+                                  </m:r>
+                                </m:e>
+                                <m:sub>
+                                  <m:r>
+                                    <a:rPr lang="en-US"/>
+                                    <m:t>𝑖</m:t>
+                                  </m:r>
+                                </m:sub>
+                              </m:sSub>
+                            </m:e>
+                          </m:nary>
                         </m:num>
                         <m:den>
                           <m:sSub>
                             <m:sSubPr>
                               <m:ctrlPr>
-                                <a:rPr lang="ru-RU" i="1" smtClean="0">
-                                  <a:latin typeface="Cambria Math" panose="02040503050406030204" pitchFamily="18" charset="0"/>
-                                  <a:cs typeface="Times New Roman" panose="02020603050405020304" pitchFamily="18" charset="0"/>
-                                </a:rPr>
+                                <a:rPr lang="ru-RU"/>
                               </m:ctrlPr>
                             </m:sSubPr>
                             <m:e>
                               <m:r>
-                                <a:rPr lang="ru-RU" i="1">
-                                  <a:latin typeface="Cambria Math" panose="02040503050406030204" pitchFamily="18" charset="0"/>
-                                  <a:ea typeface="Calibri" panose="020F0502020204030204" pitchFamily="34" charset="0"/>
-                                  <a:cs typeface="Times New Roman" panose="02020603050405020304" pitchFamily="18" charset="0"/>
-                                </a:rPr>
+                                <a:rPr lang="ru-RU"/>
                                 <m:t>𝜎</m:t>
                               </m:r>
                             </m:e>
                             <m:sub>
                               <m:r>
-                                <a:rPr lang="ru-RU" b="0" i="1" smtClean="0">
-                                  <a:latin typeface="Cambria Math" panose="02040503050406030204" pitchFamily="18" charset="0"/>
-                                  <a:cs typeface="Times New Roman" panose="02020603050405020304" pitchFamily="18" charset="0"/>
-                                </a:rPr>
+                                <a:rPr lang="ru-RU"/>
                                 <m:t>и</m:t>
                               </m:r>
                             </m:sub>
@@ -11540,8 +11588,8 @@
             </p:nvSpPr>
             <p:spPr>
               <a:xfrm>
-                <a:off x="9520915" y="1515628"/>
-                <a:ext cx="1048838" cy="610103"/>
+                <a:off x="8749326" y="1515628"/>
+                <a:ext cx="2710472" cy="702821"/>
               </a:xfrm>
               <a:prstGeom prst="rect">
                 <a:avLst/>
